--- a/00CourseFront.pptx
+++ b/00CourseFront.pptx
@@ -125,10 +125,6 @@
 </p:presentation>
 </file>
 
-<file path=ppt/revisionInfo.xml><?xml version="1.0" encoding="utf-8"?>
-<p1510:revInfo xmlns:a="http://schemas.openxmlformats.org/drawingml/2006/main" xmlns:r="http://schemas.openxmlformats.org/officeDocument/2006/relationships" xmlns:p1510="http://schemas.microsoft.com/office/powerpoint/2015/10/main"/>
-</file>
-
 <file path=ppt/slideLayouts/slideLayout1.xml><?xml version="1.0" encoding="utf-8"?>
 <p:sldLayout xmlns:a="http://schemas.openxmlformats.org/drawingml/2006/main" xmlns:r="http://schemas.openxmlformats.org/officeDocument/2006/relationships" xmlns:p="http://schemas.openxmlformats.org/presentationml/2006/main" type="title" preserve="1">
   <p:cSld name="Title Slide">
@@ -311,7 +307,7 @@
             <a:fld id="{8BDD5FCB-8C08-D94C-858D-D6C9476AE4E4}" type="datetimeFigureOut">
               <a:rPr lang="en-US" smtClean="0"/>
               <a:pPr/>
-              <a:t>1/21/18</a:t>
+              <a:t>2/25/18</a:t>
             </a:fld>
             <a:endParaRPr lang="en-US"/>
           </a:p>
@@ -483,7 +479,7 @@
             <a:fld id="{8BDD5FCB-8C08-D94C-858D-D6C9476AE4E4}" type="datetimeFigureOut">
               <a:rPr lang="en-US" smtClean="0"/>
               <a:pPr/>
-              <a:t>1/21/18</a:t>
+              <a:t>2/25/18</a:t>
             </a:fld>
             <a:endParaRPr lang="en-US"/>
           </a:p>
@@ -665,7 +661,7 @@
             <a:fld id="{8BDD5FCB-8C08-D94C-858D-D6C9476AE4E4}" type="datetimeFigureOut">
               <a:rPr lang="en-US" smtClean="0"/>
               <a:pPr/>
-              <a:t>1/21/18</a:t>
+              <a:t>2/25/18</a:t>
             </a:fld>
             <a:endParaRPr lang="en-US"/>
           </a:p>
@@ -962,7 +958,7 @@
             <a:fld id="{8BDD5FCB-8C08-D94C-858D-D6C9476AE4E4}" type="datetimeFigureOut">
               <a:rPr lang="en-US" smtClean="0"/>
               <a:pPr/>
-              <a:t>1/21/18</a:t>
+              <a:t>2/25/18</a:t>
             </a:fld>
             <a:endParaRPr lang="en-US"/>
           </a:p>
@@ -1210,7 +1206,7 @@
             <a:fld id="{8BDD5FCB-8C08-D94C-858D-D6C9476AE4E4}" type="datetimeFigureOut">
               <a:rPr lang="en-US" smtClean="0"/>
               <a:pPr/>
-              <a:t>1/21/18</a:t>
+              <a:t>2/25/18</a:t>
             </a:fld>
             <a:endParaRPr lang="en-US"/>
           </a:p>
@@ -1500,7 +1496,7 @@
             <a:fld id="{8BDD5FCB-8C08-D94C-858D-D6C9476AE4E4}" type="datetimeFigureOut">
               <a:rPr lang="en-US" smtClean="0"/>
               <a:pPr/>
-              <a:t>1/21/18</a:t>
+              <a:t>2/25/18</a:t>
             </a:fld>
             <a:endParaRPr lang="en-US"/>
           </a:p>
@@ -1924,7 +1920,7 @@
             <a:fld id="{8BDD5FCB-8C08-D94C-858D-D6C9476AE4E4}" type="datetimeFigureOut">
               <a:rPr lang="en-US" smtClean="0"/>
               <a:pPr/>
-              <a:t>1/21/18</a:t>
+              <a:t>2/25/18</a:t>
             </a:fld>
             <a:endParaRPr lang="en-US"/>
           </a:p>
@@ -2044,7 +2040,7 @@
             <a:fld id="{8BDD5FCB-8C08-D94C-858D-D6C9476AE4E4}" type="datetimeFigureOut">
               <a:rPr lang="en-US" smtClean="0"/>
               <a:pPr/>
-              <a:t>1/21/18</a:t>
+              <a:t>2/25/18</a:t>
             </a:fld>
             <a:endParaRPr lang="en-US"/>
           </a:p>
@@ -2141,7 +2137,7 @@
             <a:fld id="{8BDD5FCB-8C08-D94C-858D-D6C9476AE4E4}" type="datetimeFigureOut">
               <a:rPr lang="en-US" smtClean="0"/>
               <a:pPr/>
-              <a:t>1/21/18</a:t>
+              <a:t>2/25/18</a:t>
             </a:fld>
             <a:endParaRPr lang="en-US"/>
           </a:p>
@@ -2420,7 +2416,7 @@
             <a:fld id="{8BDD5FCB-8C08-D94C-858D-D6C9476AE4E4}" type="datetimeFigureOut">
               <a:rPr lang="en-US" smtClean="0"/>
               <a:pPr/>
-              <a:t>1/21/18</a:t>
+              <a:t>2/25/18</a:t>
             </a:fld>
             <a:endParaRPr lang="en-US"/>
           </a:p>
@@ -2675,7 +2671,7 @@
             <a:fld id="{8BDD5FCB-8C08-D94C-858D-D6C9476AE4E4}" type="datetimeFigureOut">
               <a:rPr lang="en-US" smtClean="0"/>
               <a:pPr/>
-              <a:t>1/21/18</a:t>
+              <a:t>2/25/18</a:t>
             </a:fld>
             <a:endParaRPr lang="en-US"/>
           </a:p>
@@ -2890,7 +2886,7 @@
             <a:fld id="{8BDD5FCB-8C08-D94C-858D-D6C9476AE4E4}" type="datetimeFigureOut">
               <a:rPr lang="en-US" smtClean="0"/>
               <a:pPr/>
-              <a:t>1/21/18</a:t>
+              <a:t>2/25/18</a:t>
             </a:fld>
             <a:endParaRPr lang="en-US"/>
           </a:p>
@@ -3296,12 +3292,12 @@
         </p:spPr>
         <p:txBody>
           <a:bodyPr>
-            <a:normAutofit fontScale="90000"/>
+            <a:normAutofit/>
           </a:bodyPr>
           <a:lstStyle/>
           <a:p>
             <a:r>
-              <a:rPr lang="en-US" sz="3100" b="1" dirty="0">
+              <a:rPr lang="en-US" sz="2800" b="1" dirty="0">
                 <a:solidFill>
                   <a:srgbClr val="C00000"/>
                 </a:solidFill>
@@ -3309,7 +3305,7 @@
                 <a:ea typeface="Apex New Truetype Book" panose="02010600040501010103" pitchFamily="2" charset="0"/>
                 <a:cs typeface="Segoe UI" panose="020B0502040204020203" pitchFamily="34" charset="0"/>
               </a:rPr>
-              <a:t/>
+              <a:t>Advanced Java Custom Course</a:t>
             </a:r>
             <a:br>
               <a:rPr lang="en-US" sz="3100" b="1" dirty="0">
@@ -3321,166 +3317,8 @@
                 <a:cs typeface="Segoe UI" panose="020B0502040204020203" pitchFamily="34" charset="0"/>
               </a:rPr>
             </a:br>
-            <a:r>
-              <a:rPr lang="en-US" sz="3100" b="1" dirty="0">
-                <a:solidFill>
-                  <a:srgbClr val="C00000"/>
-                </a:solidFill>
-                <a:latin typeface="Apex New Truetype Book" panose="02010600040501010103" pitchFamily="2" charset="0"/>
-                <a:ea typeface="Apex New Truetype Book" panose="02010600040501010103" pitchFamily="2" charset="0"/>
-                <a:cs typeface="Segoe UI" panose="020B0502040204020203" pitchFamily="34" charset="0"/>
-              </a:rPr>
-              <a:t/>
-            </a:r>
             <a:br>
-              <a:rPr lang="en-US" sz="3100" b="1" dirty="0">
-                <a:solidFill>
-                  <a:srgbClr val="C00000"/>
-                </a:solidFill>
-                <a:latin typeface="Apex New Truetype Book" panose="02010600040501010103" pitchFamily="2" charset="0"/>
-                <a:ea typeface="Apex New Truetype Book" panose="02010600040501010103" pitchFamily="2" charset="0"/>
-                <a:cs typeface="Segoe UI" panose="020B0502040204020203" pitchFamily="34" charset="0"/>
-              </a:rPr>
-            </a:br>
-            <a:r>
-              <a:rPr lang="en-US" sz="3100" b="1" dirty="0">
-                <a:solidFill>
-                  <a:srgbClr val="C00000"/>
-                </a:solidFill>
-                <a:latin typeface="Apex New Truetype Book" panose="02010600040501010103" pitchFamily="2" charset="0"/>
-                <a:ea typeface="Apex New Truetype Book" panose="02010600040501010103" pitchFamily="2" charset="0"/>
-                <a:cs typeface="Segoe UI" panose="020B0502040204020203" pitchFamily="34" charset="0"/>
-              </a:rPr>
-              <a:t/>
-            </a:r>
-            <a:br>
-              <a:rPr lang="en-US" sz="3100" b="1" dirty="0">
-                <a:solidFill>
-                  <a:srgbClr val="C00000"/>
-                </a:solidFill>
-                <a:latin typeface="Apex New Truetype Book" panose="02010600040501010103" pitchFamily="2" charset="0"/>
-                <a:ea typeface="Apex New Truetype Book" panose="02010600040501010103" pitchFamily="2" charset="0"/>
-                <a:cs typeface="Segoe UI" panose="020B0502040204020203" pitchFamily="34" charset="0"/>
-              </a:rPr>
-            </a:br>
-            <a:r>
-              <a:rPr lang="en-US" sz="3100" b="1" dirty="0">
-                <a:solidFill>
-                  <a:srgbClr val="C00000"/>
-                </a:solidFill>
-                <a:latin typeface="Apex New Truetype Book" panose="02010600040501010103" pitchFamily="2" charset="0"/>
-                <a:ea typeface="Apex New Truetype Book" panose="02010600040501010103" pitchFamily="2" charset="0"/>
-                <a:cs typeface="Segoe UI" panose="020B0502040204020203" pitchFamily="34" charset="0"/>
-              </a:rPr>
-              <a:t/>
-            </a:r>
-            <a:br>
-              <a:rPr lang="en-US" sz="3100" b="1" dirty="0">
-                <a:solidFill>
-                  <a:srgbClr val="C00000"/>
-                </a:solidFill>
-                <a:latin typeface="Apex New Truetype Book" panose="02010600040501010103" pitchFamily="2" charset="0"/>
-                <a:ea typeface="Apex New Truetype Book" panose="02010600040501010103" pitchFamily="2" charset="0"/>
-                <a:cs typeface="Segoe UI" panose="020B0502040204020203" pitchFamily="34" charset="0"/>
-              </a:rPr>
-            </a:br>
-            <a:r>
-              <a:rPr lang="en-US" sz="3100" b="1" dirty="0">
-                <a:solidFill>
-                  <a:srgbClr val="C00000"/>
-                </a:solidFill>
-                <a:latin typeface="Apex New Truetype Book" panose="02010600040501010103" pitchFamily="2" charset="0"/>
-                <a:ea typeface="Apex New Truetype Book" panose="02010600040501010103" pitchFamily="2" charset="0"/>
-                <a:cs typeface="Segoe UI" panose="020B0502040204020203" pitchFamily="34" charset="0"/>
-              </a:rPr>
-              <a:t>Advanced Java Custom Course</a:t>
-            </a:r>
-            <a:br>
-              <a:rPr lang="en-US" sz="3100" b="1" dirty="0">
-                <a:solidFill>
-                  <a:srgbClr val="C00000"/>
-                </a:solidFill>
-                <a:latin typeface="Apex New Truetype Book" panose="02010600040501010103" pitchFamily="2" charset="0"/>
-                <a:ea typeface="Apex New Truetype Book" panose="02010600040501010103" pitchFamily="2" charset="0"/>
-                <a:cs typeface="Segoe UI" panose="020B0502040204020203" pitchFamily="34" charset="0"/>
-              </a:rPr>
-            </a:br>
-            <a:r>
-              <a:rPr lang="en-US" sz="3100" b="1" dirty="0">
-                <a:solidFill>
-                  <a:srgbClr val="C00000"/>
-                </a:solidFill>
-                <a:latin typeface="Apex New Truetype Book" panose="02010600040501010103" pitchFamily="2" charset="0"/>
-                <a:ea typeface="Apex New Truetype Book" panose="02010600040501010103" pitchFamily="2" charset="0"/>
-                <a:cs typeface="Segoe UI" panose="020B0502040204020203" pitchFamily="34" charset="0"/>
-              </a:rPr>
-              <a:t>HPE Fort Collins, CO</a:t>
-            </a:r>
-            <a:br>
-              <a:rPr lang="en-US" sz="3100" b="1" dirty="0">
-                <a:solidFill>
-                  <a:srgbClr val="C00000"/>
-                </a:solidFill>
-                <a:latin typeface="Apex New Truetype Book" panose="02010600040501010103" pitchFamily="2" charset="0"/>
-                <a:ea typeface="Apex New Truetype Book" panose="02010600040501010103" pitchFamily="2" charset="0"/>
-                <a:cs typeface="Segoe UI" panose="020B0502040204020203" pitchFamily="34" charset="0"/>
-              </a:rPr>
-            </a:br>
-            <a:r>
-              <a:rPr lang="en-US" sz="3100" b="1" dirty="0">
-                <a:solidFill>
-                  <a:srgbClr val="C00000"/>
-                </a:solidFill>
-                <a:latin typeface="Apex New Truetype Book" panose="02010600040501010103" pitchFamily="2" charset="0"/>
-                <a:ea typeface="Apex New Truetype Book" panose="02010600040501010103" pitchFamily="2" charset="0"/>
-                <a:cs typeface="Segoe UI" panose="020B0502040204020203" pitchFamily="34" charset="0"/>
-              </a:rPr>
-              <a:t/>
-            </a:r>
-            <a:br>
-              <a:rPr lang="en-US" sz="3100" b="1" dirty="0">
-                <a:solidFill>
-                  <a:srgbClr val="C00000"/>
-                </a:solidFill>
-                <a:latin typeface="Apex New Truetype Book" panose="02010600040501010103" pitchFamily="2" charset="0"/>
-                <a:ea typeface="Apex New Truetype Book" panose="02010600040501010103" pitchFamily="2" charset="0"/>
-                <a:cs typeface="Segoe UI" panose="020B0502040204020203" pitchFamily="34" charset="0"/>
-              </a:rPr>
-            </a:br>
-            <a:r>
-              <a:rPr lang="en-US" sz="3100" b="1" dirty="0">
-                <a:solidFill>
-                  <a:srgbClr val="C00000"/>
-                </a:solidFill>
-                <a:latin typeface="Apex New Truetype Book" panose="02010600040501010103" pitchFamily="2" charset="0"/>
-                <a:ea typeface="Apex New Truetype Book" panose="02010600040501010103" pitchFamily="2" charset="0"/>
-                <a:cs typeface="Segoe UI" panose="020B0502040204020203" pitchFamily="34" charset="0"/>
-              </a:rPr>
-              <a:t/>
-            </a:r>
-            <a:br>
-              <a:rPr lang="en-US" sz="3100" b="1" dirty="0">
-                <a:solidFill>
-                  <a:srgbClr val="C00000"/>
-                </a:solidFill>
-                <a:latin typeface="Apex New Truetype Book" panose="02010600040501010103" pitchFamily="2" charset="0"/>
-                <a:ea typeface="Apex New Truetype Book" panose="02010600040501010103" pitchFamily="2" charset="0"/>
-                <a:cs typeface="Segoe UI" panose="020B0502040204020203" pitchFamily="34" charset="0"/>
-              </a:rPr>
-            </a:br>
-            <a:r>
-              <a:rPr lang="en-US" sz="2800" b="1" dirty="0">
-                <a:solidFill>
-                  <a:srgbClr val="C00000"/>
-                </a:solidFill>
-                <a:latin typeface="Apex New Truetype Book" panose="02010600040501010103" pitchFamily="2" charset="0"/>
-                <a:ea typeface="Apex New Truetype Book" panose="02010600040501010103" pitchFamily="2" charset="0"/>
-                <a:cs typeface="Segoe UI Semibold" panose="020B0702040204020203" pitchFamily="34" charset="0"/>
-              </a:rPr>
-              <a:t/>
-            </a:r>
-            <a:br>
-              <a:rPr lang="en-US" sz="2800" b="1" dirty="0">
+              <a:rPr lang="en-US" sz="2800" b="1">
                 <a:solidFill>
                   <a:srgbClr val="C00000"/>
                 </a:solidFill>
@@ -3490,7 +3328,7 @@
               </a:rPr>
             </a:br>
             <a:r>
-              <a:rPr lang="en-US" sz="3100" b="1" dirty="0">
+              <a:rPr lang="en-US" sz="2200" b="1">
                 <a:solidFill>
                   <a:schemeClr val="tx1">
                     <a:lumMod val="50000"/>
@@ -3501,38 +3339,10 @@
                 <a:ea typeface="Apex New Truetype Book" panose="02010600040501010103" pitchFamily="2" charset="0"/>
                 <a:cs typeface="Segoe UI" panose="020B0502040204020203" pitchFamily="34" charset="0"/>
               </a:rPr>
-              <a:t>22</a:t>
-            </a:r>
-            <a:r>
-              <a:rPr lang="en-US" sz="3100" b="1" baseline="30000" dirty="0">
-                <a:solidFill>
-                  <a:schemeClr val="tx1">
-                    <a:lumMod val="50000"/>
-                    <a:lumOff val="50000"/>
-                  </a:schemeClr>
-                </a:solidFill>
-                <a:latin typeface="Apex New Truetype Book" panose="02010600040501010103" pitchFamily="2" charset="0"/>
-                <a:ea typeface="Apex New Truetype Book" panose="02010600040501010103" pitchFamily="2" charset="0"/>
-                <a:cs typeface="Segoe UI" panose="020B0502040204020203" pitchFamily="34" charset="0"/>
-              </a:rPr>
-              <a:t>nd</a:t>
-            </a:r>
-            <a:r>
-              <a:rPr lang="en-US" sz="3100" b="1" dirty="0">
-                <a:solidFill>
-                  <a:schemeClr val="tx1">
-                    <a:lumMod val="50000"/>
-                    <a:lumOff val="50000"/>
-                  </a:schemeClr>
-                </a:solidFill>
-                <a:latin typeface="Apex New Truetype Book" panose="02010600040501010103" pitchFamily="2" charset="0"/>
-                <a:ea typeface="Apex New Truetype Book" panose="02010600040501010103" pitchFamily="2" charset="0"/>
-                <a:cs typeface="Segoe UI" panose="020B0502040204020203" pitchFamily="34" charset="0"/>
-              </a:rPr>
-              <a:t> -25</a:t>
-            </a:r>
-            <a:r>
-              <a:rPr lang="en-US" sz="3100" b="1" baseline="30000" dirty="0">
+              <a:t>26</a:t>
+            </a:r>
+            <a:r>
+              <a:rPr lang="en-US" sz="2200" b="1" baseline="30000">
                 <a:solidFill>
                   <a:schemeClr val="tx1">
                     <a:lumMod val="50000"/>
@@ -3546,7 +3356,7 @@
               <a:t>th</a:t>
             </a:r>
             <a:r>
-              <a:rPr lang="en-US" sz="3100" b="1" dirty="0">
+              <a:rPr lang="en-US" sz="2200" b="1">
                 <a:solidFill>
                   <a:schemeClr val="tx1">
                     <a:lumMod val="50000"/>
@@ -3557,21 +3367,35 @@
                 <a:ea typeface="Apex New Truetype Book" panose="02010600040501010103" pitchFamily="2" charset="0"/>
                 <a:cs typeface="Segoe UI" panose="020B0502040204020203" pitchFamily="34" charset="0"/>
               </a:rPr>
-              <a:t> January 2018</a:t>
-            </a:r>
-            <a:r>
-              <a:rPr lang="en-US" sz="2800" b="1" dirty="0">
+              <a:t> February to 1</a:t>
+            </a:r>
+            <a:r>
+              <a:rPr lang="en-US" sz="2200" b="1" baseline="30000">
                 <a:solidFill>
                   <a:schemeClr val="tx1">
-                    <a:lumMod val="85000"/>
-                    <a:lumOff val="15000"/>
+                    <a:lumMod val="50000"/>
+                    <a:lumOff val="50000"/>
                   </a:schemeClr>
                 </a:solidFill>
                 <a:latin typeface="Apex New Truetype Book" panose="02010600040501010103" pitchFamily="2" charset="0"/>
                 <a:ea typeface="Apex New Truetype Book" panose="02010600040501010103" pitchFamily="2" charset="0"/>
-                <a:cs typeface="Segoe UI Semibold" panose="020B0702040204020203" pitchFamily="34" charset="0"/>
+                <a:cs typeface="Segoe UI" panose="020B0502040204020203" pitchFamily="34" charset="0"/>
               </a:rPr>
-              <a:t/>
+              <a:t>st</a:t>
+            </a:r>
+            <a:r>
+              <a:rPr lang="en-US" sz="2200" b="1">
+                <a:solidFill>
+                  <a:schemeClr val="tx1">
+                    <a:lumMod val="50000"/>
+                    <a:lumOff val="50000"/>
+                  </a:schemeClr>
+                </a:solidFill>
+                <a:latin typeface="Apex New Truetype Book" panose="02010600040501010103" pitchFamily="2" charset="0"/>
+                <a:ea typeface="Apex New Truetype Book" panose="02010600040501010103" pitchFamily="2" charset="0"/>
+                <a:cs typeface="Segoe UI" panose="020B0502040204020203" pitchFamily="34" charset="0"/>
+              </a:rPr>
+              <a:t> March 2018</a:t>
             </a:r>
             <a:br>
               <a:rPr lang="en-US" sz="2800" b="1" dirty="0">
@@ -3586,20 +3410,6 @@
                 <a:cs typeface="Segoe UI Semibold" panose="020B0702040204020203" pitchFamily="34" charset="0"/>
               </a:rPr>
             </a:br>
-            <a:r>
-              <a:rPr lang="en-US" sz="2800" b="1" dirty="0">
-                <a:solidFill>
-                  <a:schemeClr val="tx1">
-                    <a:lumMod val="85000"/>
-                    <a:lumOff val="15000"/>
-                  </a:schemeClr>
-                </a:solidFill>
-                <a:latin typeface="Apex New Truetype Book" panose="02010600040501010103" pitchFamily="2" charset="0"/>
-                <a:ea typeface="Apex New Truetype Book" panose="02010600040501010103" pitchFamily="2" charset="0"/>
-                <a:cs typeface="Segoe UI Semibold" panose="020B0702040204020203" pitchFamily="34" charset="0"/>
-              </a:rPr>
-              <a:t/>
-            </a:r>
             <a:br>
               <a:rPr lang="en-US" sz="2800" b="1" dirty="0">
                 <a:solidFill>
@@ -3613,20 +3423,6 @@
                 <a:cs typeface="Segoe UI Semibold" panose="020B0702040204020203" pitchFamily="34" charset="0"/>
               </a:rPr>
             </a:br>
-            <a:r>
-              <a:rPr lang="en-US" sz="2800" b="1" dirty="0">
-                <a:solidFill>
-                  <a:schemeClr val="tx1">
-                    <a:lumMod val="85000"/>
-                    <a:lumOff val="15000"/>
-                  </a:schemeClr>
-                </a:solidFill>
-                <a:latin typeface="Apex New Truetype Book" panose="02010600040501010103" pitchFamily="2" charset="0"/>
-                <a:ea typeface="Apex New Truetype Book" panose="02010600040501010103" pitchFamily="2" charset="0"/>
-                <a:cs typeface="Segoe UI Semibold" panose="020B0702040204020203" pitchFamily="34" charset="0"/>
-              </a:rPr>
-              <a:t/>
-            </a:r>
             <a:br>
               <a:rPr lang="en-US" sz="2800" b="1" dirty="0">
                 <a:solidFill>
@@ -3640,20 +3436,6 @@
                 <a:cs typeface="Segoe UI Semibold" panose="020B0702040204020203" pitchFamily="34" charset="0"/>
               </a:rPr>
             </a:br>
-            <a:r>
-              <a:rPr lang="en-US" sz="2800" b="1" dirty="0">
-                <a:solidFill>
-                  <a:schemeClr val="tx1">
-                    <a:lumMod val="85000"/>
-                    <a:lumOff val="15000"/>
-                  </a:schemeClr>
-                </a:solidFill>
-                <a:latin typeface="Apex New Truetype Book" panose="02010600040501010103" pitchFamily="2" charset="0"/>
-                <a:ea typeface="Apex New Truetype Book" panose="02010600040501010103" pitchFamily="2" charset="0"/>
-                <a:cs typeface="Segoe UI Semibold" panose="020B0702040204020203" pitchFamily="34" charset="0"/>
-              </a:rPr>
-              <a:t/>
-            </a:r>
             <a:br>
               <a:rPr lang="en-US" sz="2800" b="1" dirty="0">
                 <a:solidFill>
@@ -3933,7 +3715,7 @@
           </a:ln>
           <a:extLst>
             <a:ext uri="{C572A759-6A51-4108-AA02-DFA0A04FC94B}">
-              <ma14:wrappingTextBoxFlag xmlns:ma14="http://schemas.microsoft.com/office/mac/drawingml/2011/main" val="1"/>
+              <ma14:wrappingTextBoxFlag xmlns="" xmlns:ma14="http://schemas.microsoft.com/office/mac/drawingml/2011/main" xmlns:mv="urn:schemas-microsoft-com:mac:vml" xmlns:mc="http://schemas.openxmlformats.org/markup-compatibility/2006" val="1"/>
             </a:ext>
           </a:extLst>
         </p:spPr>
